--- a/CastReporting.Reporting.Core/Templates/Application/Legacy reports/Executive-summary-sample1.pptx
+++ b/CastReporting.Reporting.Core/Templates/Application/Legacy reports/Executive-summary-sample1.pptx
@@ -1116,7 +1116,7 @@
           <a:p>
             <a:fld id="{6662845F-21F6-4531-A304-559DC661811C}" type="datetimeFigureOut">
               <a:rPr lang="en-US" smtClean="0"/>
-              <a:t>8/27/2018</a:t>
+              <a:t>2/20/2025</a:t>
             </a:fld>
             <a:endParaRPr lang="en-US"/>
           </a:p>
@@ -1293,7 +1293,7 @@
           <a:p>
             <a:fld id="{BE7CF963-E58D-FC4D-BA9E-60A980752DC6}" type="datetimeFigureOut">
               <a:rPr lang="en-US" smtClean="0"/>
-              <a:t>8/27/2018</a:t>
+              <a:t>2/20/2025</a:t>
             </a:fld>
             <a:endParaRPr lang="en-US"/>
           </a:p>
@@ -1868,36 +1868,6 @@
           </a:p>
         </p:txBody>
       </p:sp>
-      <p:pic>
-        <p:nvPicPr>
-          <p:cNvPr id="13" name="Picture 12">
-            <a:extLst>
-              <a:ext uri="{FF2B5EF4-FFF2-40B4-BE49-F238E27FC236}">
-                <a16:creationId xmlns:a16="http://schemas.microsoft.com/office/drawing/2014/main" id="{A222421C-63E8-4147-95D2-04AD75E6EB6B}"/>
-              </a:ext>
-            </a:extLst>
-          </p:cNvPr>
-          <p:cNvPicPr>
-            <a:picLocks noChangeAspect="1"/>
-          </p:cNvPicPr>
-          <p:nvPr userDrawn="1"/>
-        </p:nvPicPr>
-        <p:blipFill>
-          <a:blip r:embed="rId3"/>
-          <a:stretch>
-            <a:fillRect/>
-          </a:stretch>
-        </p:blipFill>
-        <p:spPr>
-          <a:xfrm>
-            <a:off x="9502140" y="329276"/>
-            <a:ext cx="2103120" cy="412212"/>
-          </a:xfrm>
-          <a:prstGeom prst="rect">
-            <a:avLst/>
-          </a:prstGeom>
-        </p:spPr>
-      </p:pic>
       <p:sp>
         <p:nvSpPr>
           <p:cNvPr id="10" name="TextBox 9">
@@ -2006,6 +1976,36 @@
           </a:p>
         </p:txBody>
       </p:sp>
+      <p:pic>
+        <p:nvPicPr>
+          <p:cNvPr id="2" name="Picture 1">
+            <a:extLst>
+              <a:ext uri="{FF2B5EF4-FFF2-40B4-BE49-F238E27FC236}">
+                <a16:creationId xmlns:a16="http://schemas.microsoft.com/office/drawing/2014/main" id="{7AB6796C-2EB1-A01D-AFFA-7163C8044ACF}"/>
+              </a:ext>
+            </a:extLst>
+          </p:cNvPr>
+          <p:cNvPicPr>
+            <a:picLocks noChangeAspect="1"/>
+          </p:cNvPicPr>
+          <p:nvPr userDrawn="1"/>
+        </p:nvPicPr>
+        <p:blipFill>
+          <a:blip r:embed="rId3"/>
+          <a:stretch>
+            <a:fillRect/>
+          </a:stretch>
+        </p:blipFill>
+        <p:spPr>
+          <a:xfrm>
+            <a:off x="10525895" y="266724"/>
+            <a:ext cx="1079365" cy="380952"/>
+          </a:xfrm>
+          <a:prstGeom prst="rect">
+            <a:avLst/>
+          </a:prstGeom>
+        </p:spPr>
+      </p:pic>
     </p:spTree>
     <p:extLst>
       <p:ext uri="{BB962C8B-B14F-4D97-AF65-F5344CB8AC3E}">
@@ -2016,7 +2016,7 @@
   <p:clrMapOvr>
     <a:masterClrMapping/>
   </p:clrMapOvr>
-  <p:extLst mod="1">
+  <p:extLst>
     <p:ext uri="{DCECCB84-F9BA-43D5-87BE-67443E8EF086}">
       <p15:sldGuideLst xmlns:p15="http://schemas.microsoft.com/office/powerpoint/2012/main">
         <p15:guide id="1" pos="3840">
@@ -2102,36 +2102,6 @@
           <a:chExt cx="0" cy="0"/>
         </a:xfrm>
       </p:grpSpPr>
-      <p:pic>
-        <p:nvPicPr>
-          <p:cNvPr id="4" name="Picture 3">
-            <a:extLst>
-              <a:ext uri="{FF2B5EF4-FFF2-40B4-BE49-F238E27FC236}">
-                <a16:creationId xmlns:a16="http://schemas.microsoft.com/office/drawing/2014/main" id="{E39C0825-2C66-4FEE-BEC5-84D120E66776}"/>
-              </a:ext>
-            </a:extLst>
-          </p:cNvPr>
-          <p:cNvPicPr>
-            <a:picLocks noChangeAspect="1"/>
-          </p:cNvPicPr>
-          <p:nvPr userDrawn="1"/>
-        </p:nvPicPr>
-        <p:blipFill>
-          <a:blip r:embed="rId2"/>
-          <a:stretch>
-            <a:fillRect/>
-          </a:stretch>
-        </p:blipFill>
-        <p:spPr>
-          <a:xfrm>
-            <a:off x="9500235" y="332861"/>
-            <a:ext cx="2103120" cy="252375"/>
-          </a:xfrm>
-          <a:prstGeom prst="rect">
-            <a:avLst/>
-          </a:prstGeom>
-        </p:spPr>
-      </p:pic>
       <p:sp>
         <p:nvSpPr>
           <p:cNvPr id="9" name="Rectangle 8"/>
@@ -2296,6 +2266,36 @@
           </a:p>
         </p:txBody>
       </p:sp>
+      <p:pic>
+        <p:nvPicPr>
+          <p:cNvPr id="3" name="Picture 2">
+            <a:extLst>
+              <a:ext uri="{FF2B5EF4-FFF2-40B4-BE49-F238E27FC236}">
+                <a16:creationId xmlns:a16="http://schemas.microsoft.com/office/drawing/2014/main" id="{B2E55ED6-C6F8-21A9-604C-6790D1B0A096}"/>
+              </a:ext>
+            </a:extLst>
+          </p:cNvPr>
+          <p:cNvPicPr>
+            <a:picLocks noChangeAspect="1"/>
+          </p:cNvPicPr>
+          <p:nvPr userDrawn="1"/>
+        </p:nvPicPr>
+        <p:blipFill>
+          <a:blip r:embed="rId2"/>
+          <a:stretch>
+            <a:fillRect/>
+          </a:stretch>
+        </p:blipFill>
+        <p:spPr>
+          <a:xfrm>
+            <a:off x="10564611" y="286570"/>
+            <a:ext cx="1079365" cy="380952"/>
+          </a:xfrm>
+          <a:prstGeom prst="rect">
+            <a:avLst/>
+          </a:prstGeom>
+        </p:spPr>
+      </p:pic>
     </p:spTree>
     <p:extLst>
       <p:ext uri="{BB962C8B-B14F-4D97-AF65-F5344CB8AC3E}">
@@ -2306,7 +2306,7 @@
   <p:clrMapOvr>
     <a:masterClrMapping/>
   </p:clrMapOvr>
-  <p:extLst mod="1">
+  <p:extLst>
     <p:ext uri="{DCECCB84-F9BA-43D5-87BE-67443E8EF086}">
       <p15:sldGuideLst xmlns:p15="http://schemas.microsoft.com/office/powerpoint/2012/main">
         <p15:guide id="2" pos="384">
@@ -2561,7 +2561,7 @@
   <p:clrMapOvr>
     <a:masterClrMapping/>
   </p:clrMapOvr>
-  <p:extLst mod="1">
+  <p:extLst>
     <p:ext uri="{DCECCB84-F9BA-43D5-87BE-67443E8EF086}">
       <p15:sldGuideLst xmlns:p15="http://schemas.microsoft.com/office/powerpoint/2012/main">
         <p15:guide id="2" pos="384">
@@ -2816,7 +2816,7 @@
   <p:clrMapOvr>
     <a:masterClrMapping/>
   </p:clrMapOvr>
-  <p:extLst mod="1">
+  <p:extLst>
     <p:ext uri="{DCECCB84-F9BA-43D5-87BE-67443E8EF086}">
       <p15:sldGuideLst xmlns:p15="http://schemas.microsoft.com/office/powerpoint/2012/main">
         <p15:guide id="2" pos="384">
@@ -3175,7 +3175,7 @@
   <p:clrMapOvr>
     <a:masterClrMapping/>
   </p:clrMapOvr>
-  <p:extLst mod="1">
+  <p:extLst>
     <p:ext uri="{DCECCB84-F9BA-43D5-87BE-67443E8EF086}">
       <p15:sldGuideLst xmlns:p15="http://schemas.microsoft.com/office/powerpoint/2012/main">
         <p15:guide id="2" pos="384">
@@ -3534,7 +3534,7 @@
   <p:clrMapOvr>
     <a:masterClrMapping/>
   </p:clrMapOvr>
-  <p:extLst mod="1">
+  <p:extLst>
     <p:ext uri="{DCECCB84-F9BA-43D5-87BE-67443E8EF086}">
       <p15:sldGuideLst xmlns:p15="http://schemas.microsoft.com/office/powerpoint/2012/main">
         <p15:guide id="2" pos="384">
@@ -3868,36 +3868,6 @@
           </a:p>
         </p:txBody>
       </p:sp>
-      <p:pic>
-        <p:nvPicPr>
-          <p:cNvPr id="15" name="Picture 14">
-            <a:extLst>
-              <a:ext uri="{FF2B5EF4-FFF2-40B4-BE49-F238E27FC236}">
-                <a16:creationId xmlns:a16="http://schemas.microsoft.com/office/drawing/2014/main" id="{45414AED-E0A8-4CAB-9260-32F42470DE3E}"/>
-              </a:ext>
-            </a:extLst>
-          </p:cNvPr>
-          <p:cNvPicPr>
-            <a:picLocks noChangeAspect="1"/>
-          </p:cNvPicPr>
-          <p:nvPr userDrawn="1"/>
-        </p:nvPicPr>
-        <p:blipFill>
-          <a:blip r:embed="rId3"/>
-          <a:stretch>
-            <a:fillRect/>
-          </a:stretch>
-        </p:blipFill>
-        <p:spPr>
-          <a:xfrm>
-            <a:off x="9502140" y="332861"/>
-            <a:ext cx="2103120" cy="248679"/>
-          </a:xfrm>
-          <a:prstGeom prst="rect">
-            <a:avLst/>
-          </a:prstGeom>
-        </p:spPr>
-      </p:pic>
       <p:sp>
         <p:nvSpPr>
           <p:cNvPr id="16" name="TextBox 15">
@@ -4509,6 +4479,36 @@
           </a:p>
         </p:txBody>
       </p:sp>
+      <p:pic>
+        <p:nvPicPr>
+          <p:cNvPr id="3" name="Picture 2">
+            <a:extLst>
+              <a:ext uri="{FF2B5EF4-FFF2-40B4-BE49-F238E27FC236}">
+                <a16:creationId xmlns:a16="http://schemas.microsoft.com/office/drawing/2014/main" id="{9AD17AD1-450E-CD44-428D-BB475155B608}"/>
+              </a:ext>
+            </a:extLst>
+          </p:cNvPr>
+          <p:cNvPicPr>
+            <a:picLocks noChangeAspect="1"/>
+          </p:cNvPicPr>
+          <p:nvPr userDrawn="1"/>
+        </p:nvPicPr>
+        <p:blipFill>
+          <a:blip r:embed="rId3"/>
+          <a:stretch>
+            <a:fillRect/>
+          </a:stretch>
+        </p:blipFill>
+        <p:spPr>
+          <a:xfrm>
+            <a:off x="10525895" y="266724"/>
+            <a:ext cx="1079365" cy="380952"/>
+          </a:xfrm>
+          <a:prstGeom prst="rect">
+            <a:avLst/>
+          </a:prstGeom>
+        </p:spPr>
+      </p:pic>
     </p:spTree>
     <p:extLst>
       <p:ext uri="{BB962C8B-B14F-4D97-AF65-F5344CB8AC3E}">
@@ -4519,7 +4519,7 @@
   <p:clrMapOvr>
     <a:masterClrMapping/>
   </p:clrMapOvr>
-  <p:extLst mod="1">
+  <p:extLst>
     <p:ext uri="{DCECCB84-F9BA-43D5-87BE-67443E8EF086}">
       <p15:sldGuideLst xmlns:p15="http://schemas.microsoft.com/office/powerpoint/2012/main">
         <p15:guide id="2" pos="384">
@@ -4853,36 +4853,6 @@
           </a:p>
         </p:txBody>
       </p:sp>
-      <p:pic>
-        <p:nvPicPr>
-          <p:cNvPr id="15" name="Picture 14">
-            <a:extLst>
-              <a:ext uri="{FF2B5EF4-FFF2-40B4-BE49-F238E27FC236}">
-                <a16:creationId xmlns:a16="http://schemas.microsoft.com/office/drawing/2014/main" id="{45414AED-E0A8-4CAB-9260-32F42470DE3E}"/>
-              </a:ext>
-            </a:extLst>
-          </p:cNvPr>
-          <p:cNvPicPr>
-            <a:picLocks noChangeAspect="1"/>
-          </p:cNvPicPr>
-          <p:nvPr userDrawn="1"/>
-        </p:nvPicPr>
-        <p:blipFill>
-          <a:blip r:embed="rId3"/>
-          <a:stretch>
-            <a:fillRect/>
-          </a:stretch>
-        </p:blipFill>
-        <p:spPr>
-          <a:xfrm>
-            <a:off x="9502140" y="332861"/>
-            <a:ext cx="2103120" cy="248679"/>
-          </a:xfrm>
-          <a:prstGeom prst="rect">
-            <a:avLst/>
-          </a:prstGeom>
-        </p:spPr>
-      </p:pic>
       <p:sp>
         <p:nvSpPr>
           <p:cNvPr id="16" name="TextBox 15">
@@ -5654,6 +5624,36 @@
           </a:p>
         </p:txBody>
       </p:sp>
+      <p:pic>
+        <p:nvPicPr>
+          <p:cNvPr id="3" name="Picture 2">
+            <a:extLst>
+              <a:ext uri="{FF2B5EF4-FFF2-40B4-BE49-F238E27FC236}">
+                <a16:creationId xmlns:a16="http://schemas.microsoft.com/office/drawing/2014/main" id="{0F0943C9-F7A0-9271-C081-01B1F00D2507}"/>
+              </a:ext>
+            </a:extLst>
+          </p:cNvPr>
+          <p:cNvPicPr>
+            <a:picLocks noChangeAspect="1"/>
+          </p:cNvPicPr>
+          <p:nvPr userDrawn="1"/>
+        </p:nvPicPr>
+        <p:blipFill>
+          <a:blip r:embed="rId3"/>
+          <a:stretch>
+            <a:fillRect/>
+          </a:stretch>
+        </p:blipFill>
+        <p:spPr>
+          <a:xfrm>
+            <a:off x="10525895" y="266724"/>
+            <a:ext cx="1079365" cy="380952"/>
+          </a:xfrm>
+          <a:prstGeom prst="rect">
+            <a:avLst/>
+          </a:prstGeom>
+        </p:spPr>
+      </p:pic>
     </p:spTree>
     <p:extLst>
       <p:ext uri="{BB962C8B-B14F-4D97-AF65-F5344CB8AC3E}">
@@ -5664,7 +5664,7 @@
   <p:clrMapOvr>
     <a:masterClrMapping/>
   </p:clrMapOvr>
-  <p:extLst mod="1">
+  <p:extLst>
     <p:ext uri="{DCECCB84-F9BA-43D5-87BE-67443E8EF086}">
       <p15:sldGuideLst xmlns:p15="http://schemas.microsoft.com/office/powerpoint/2012/main">
         <p15:guide id="2" pos="384">
@@ -6111,36 +6111,6 @@
           </a:p>
         </p:txBody>
       </p:sp>
-      <p:pic>
-        <p:nvPicPr>
-          <p:cNvPr id="13" name="Picture 12">
-            <a:extLst>
-              <a:ext uri="{FF2B5EF4-FFF2-40B4-BE49-F238E27FC236}">
-                <a16:creationId xmlns:a16="http://schemas.microsoft.com/office/drawing/2014/main" id="{CBC652E9-B7FE-4DD9-9EA7-B7522267DA42}"/>
-              </a:ext>
-            </a:extLst>
-          </p:cNvPr>
-          <p:cNvPicPr>
-            <a:picLocks noChangeAspect="1"/>
-          </p:cNvPicPr>
-          <p:nvPr userDrawn="1"/>
-        </p:nvPicPr>
-        <p:blipFill>
-          <a:blip r:embed="rId3"/>
-          <a:stretch>
-            <a:fillRect/>
-          </a:stretch>
-        </p:blipFill>
-        <p:spPr>
-          <a:xfrm>
-            <a:off x="9502140" y="329276"/>
-            <a:ext cx="2103120" cy="412212"/>
-          </a:xfrm>
-          <a:prstGeom prst="rect">
-            <a:avLst/>
-          </a:prstGeom>
-        </p:spPr>
-      </p:pic>
       <p:sp>
         <p:nvSpPr>
           <p:cNvPr id="10" name="TextBox 9">
@@ -6249,6 +6219,36 @@
           </a:p>
         </p:txBody>
       </p:sp>
+      <p:pic>
+        <p:nvPicPr>
+          <p:cNvPr id="2" name="Picture 1">
+            <a:extLst>
+              <a:ext uri="{FF2B5EF4-FFF2-40B4-BE49-F238E27FC236}">
+                <a16:creationId xmlns:a16="http://schemas.microsoft.com/office/drawing/2014/main" id="{CC6F7EA6-FE75-6A46-3C40-D9EFD0C08836}"/>
+              </a:ext>
+            </a:extLst>
+          </p:cNvPr>
+          <p:cNvPicPr>
+            <a:picLocks noChangeAspect="1"/>
+          </p:cNvPicPr>
+          <p:nvPr userDrawn="1"/>
+        </p:nvPicPr>
+        <p:blipFill>
+          <a:blip r:embed="rId3"/>
+          <a:stretch>
+            <a:fillRect/>
+          </a:stretch>
+        </p:blipFill>
+        <p:spPr>
+          <a:xfrm>
+            <a:off x="10525895" y="266724"/>
+            <a:ext cx="1079365" cy="380952"/>
+          </a:xfrm>
+          <a:prstGeom prst="rect">
+            <a:avLst/>
+          </a:prstGeom>
+        </p:spPr>
+      </p:pic>
     </p:spTree>
     <p:extLst>
       <p:ext uri="{BB962C8B-B14F-4D97-AF65-F5344CB8AC3E}">
@@ -6259,7 +6259,7 @@
   <p:clrMapOvr>
     <a:masterClrMapping/>
   </p:clrMapOvr>
-  <p:extLst mod="1">
+  <p:extLst>
     <p:ext uri="{DCECCB84-F9BA-43D5-87BE-67443E8EF086}">
       <p15:sldGuideLst xmlns:p15="http://schemas.microsoft.com/office/powerpoint/2012/main">
         <p15:guide id="1" pos="3840">
@@ -6551,36 +6551,6 @@
           </a:p>
         </p:txBody>
       </p:sp>
-      <p:pic>
-        <p:nvPicPr>
-          <p:cNvPr id="13" name="Picture 12">
-            <a:extLst>
-              <a:ext uri="{FF2B5EF4-FFF2-40B4-BE49-F238E27FC236}">
-                <a16:creationId xmlns:a16="http://schemas.microsoft.com/office/drawing/2014/main" id="{5C70D25B-C944-4E97-8A71-151C39913E17}"/>
-              </a:ext>
-            </a:extLst>
-          </p:cNvPr>
-          <p:cNvPicPr>
-            <a:picLocks noChangeAspect="1"/>
-          </p:cNvPicPr>
-          <p:nvPr userDrawn="1"/>
-        </p:nvPicPr>
-        <p:blipFill>
-          <a:blip r:embed="rId3"/>
-          <a:stretch>
-            <a:fillRect/>
-          </a:stretch>
-        </p:blipFill>
-        <p:spPr>
-          <a:xfrm>
-            <a:off x="9502140" y="329276"/>
-            <a:ext cx="2103120" cy="412212"/>
-          </a:xfrm>
-          <a:prstGeom prst="rect">
-            <a:avLst/>
-          </a:prstGeom>
-        </p:spPr>
-      </p:pic>
       <p:sp>
         <p:nvSpPr>
           <p:cNvPr id="10" name="TextBox 9">
@@ -6689,6 +6659,36 @@
           </a:p>
         </p:txBody>
       </p:sp>
+      <p:pic>
+        <p:nvPicPr>
+          <p:cNvPr id="2" name="Picture 1">
+            <a:extLst>
+              <a:ext uri="{FF2B5EF4-FFF2-40B4-BE49-F238E27FC236}">
+                <a16:creationId xmlns:a16="http://schemas.microsoft.com/office/drawing/2014/main" id="{40A8D01E-3BC2-86CC-26DE-B5ADCE4C789B}"/>
+              </a:ext>
+            </a:extLst>
+          </p:cNvPr>
+          <p:cNvPicPr>
+            <a:picLocks noChangeAspect="1"/>
+          </p:cNvPicPr>
+          <p:nvPr userDrawn="1"/>
+        </p:nvPicPr>
+        <p:blipFill>
+          <a:blip r:embed="rId3"/>
+          <a:stretch>
+            <a:fillRect/>
+          </a:stretch>
+        </p:blipFill>
+        <p:spPr>
+          <a:xfrm>
+            <a:off x="10525895" y="266724"/>
+            <a:ext cx="1079365" cy="380952"/>
+          </a:xfrm>
+          <a:prstGeom prst="rect">
+            <a:avLst/>
+          </a:prstGeom>
+        </p:spPr>
+      </p:pic>
     </p:spTree>
     <p:extLst>
       <p:ext uri="{BB962C8B-B14F-4D97-AF65-F5344CB8AC3E}">
@@ -6699,7 +6699,7 @@
   <p:clrMapOvr>
     <a:masterClrMapping/>
   </p:clrMapOvr>
-  <p:extLst mod="1">
+  <p:extLst>
     <p:ext uri="{DCECCB84-F9BA-43D5-87BE-67443E8EF086}">
       <p15:sldGuideLst xmlns:p15="http://schemas.microsoft.com/office/powerpoint/2012/main">
         <p15:guide id="1" pos="3840">
@@ -6991,36 +6991,6 @@
           </a:p>
         </p:txBody>
       </p:sp>
-      <p:pic>
-        <p:nvPicPr>
-          <p:cNvPr id="3" name="Picture 2">
-            <a:extLst>
-              <a:ext uri="{FF2B5EF4-FFF2-40B4-BE49-F238E27FC236}">
-                <a16:creationId xmlns:a16="http://schemas.microsoft.com/office/drawing/2014/main" id="{D48361A3-1B9F-409C-826A-261AA012B8F8}"/>
-              </a:ext>
-            </a:extLst>
-          </p:cNvPr>
-          <p:cNvPicPr>
-            <a:picLocks noChangeAspect="1"/>
-          </p:cNvPicPr>
-          <p:nvPr userDrawn="1"/>
-        </p:nvPicPr>
-        <p:blipFill>
-          <a:blip r:embed="rId3"/>
-          <a:stretch>
-            <a:fillRect/>
-          </a:stretch>
-        </p:blipFill>
-        <p:spPr>
-          <a:xfrm>
-            <a:off x="9502140" y="329276"/>
-            <a:ext cx="2103120" cy="412212"/>
-          </a:xfrm>
-          <a:prstGeom prst="rect">
-            <a:avLst/>
-          </a:prstGeom>
-        </p:spPr>
-      </p:pic>
       <p:sp>
         <p:nvSpPr>
           <p:cNvPr id="10" name="TextBox 9">
@@ -7129,6 +7099,36 @@
           </a:p>
         </p:txBody>
       </p:sp>
+      <p:pic>
+        <p:nvPicPr>
+          <p:cNvPr id="2" name="Picture 1">
+            <a:extLst>
+              <a:ext uri="{FF2B5EF4-FFF2-40B4-BE49-F238E27FC236}">
+                <a16:creationId xmlns:a16="http://schemas.microsoft.com/office/drawing/2014/main" id="{470C5C1C-B604-F69F-FFD8-487A89726B73}"/>
+              </a:ext>
+            </a:extLst>
+          </p:cNvPr>
+          <p:cNvPicPr>
+            <a:picLocks noChangeAspect="1"/>
+          </p:cNvPicPr>
+          <p:nvPr userDrawn="1"/>
+        </p:nvPicPr>
+        <p:blipFill>
+          <a:blip r:embed="rId3"/>
+          <a:stretch>
+            <a:fillRect/>
+          </a:stretch>
+        </p:blipFill>
+        <p:spPr>
+          <a:xfrm>
+            <a:off x="10525895" y="266724"/>
+            <a:ext cx="1079365" cy="380952"/>
+          </a:xfrm>
+          <a:prstGeom prst="rect">
+            <a:avLst/>
+          </a:prstGeom>
+        </p:spPr>
+      </p:pic>
     </p:spTree>
     <p:extLst>
       <p:ext uri="{BB962C8B-B14F-4D97-AF65-F5344CB8AC3E}">
@@ -7139,7 +7139,7 @@
   <p:clrMapOvr>
     <a:masterClrMapping/>
   </p:clrMapOvr>
-  <p:extLst mod="1">
+  <p:extLst>
     <p:ext uri="{DCECCB84-F9BA-43D5-87BE-67443E8EF086}">
       <p15:sldGuideLst xmlns:p15="http://schemas.microsoft.com/office/powerpoint/2012/main">
         <p15:guide id="1" pos="3840">
@@ -7469,36 +7469,6 @@
           </a:p>
         </p:txBody>
       </p:sp>
-      <p:pic>
-        <p:nvPicPr>
-          <p:cNvPr id="13" name="Picture 12">
-            <a:extLst>
-              <a:ext uri="{FF2B5EF4-FFF2-40B4-BE49-F238E27FC236}">
-                <a16:creationId xmlns:a16="http://schemas.microsoft.com/office/drawing/2014/main" id="{545EF32B-13FD-4CE8-8ED9-24019B1CE1ED}"/>
-              </a:ext>
-            </a:extLst>
-          </p:cNvPr>
-          <p:cNvPicPr>
-            <a:picLocks noChangeAspect="1"/>
-          </p:cNvPicPr>
-          <p:nvPr userDrawn="1"/>
-        </p:nvPicPr>
-        <p:blipFill>
-          <a:blip r:embed="rId3"/>
-          <a:stretch>
-            <a:fillRect/>
-          </a:stretch>
-        </p:blipFill>
-        <p:spPr>
-          <a:xfrm>
-            <a:off x="9502140" y="329276"/>
-            <a:ext cx="2103120" cy="412212"/>
-          </a:xfrm>
-          <a:prstGeom prst="rect">
-            <a:avLst/>
-          </a:prstGeom>
-        </p:spPr>
-      </p:pic>
       <p:sp>
         <p:nvSpPr>
           <p:cNvPr id="10" name="Text Placeholder 20">
@@ -7563,6 +7533,36 @@
           </a:p>
         </p:txBody>
       </p:sp>
+      <p:pic>
+        <p:nvPicPr>
+          <p:cNvPr id="2" name="Picture 1">
+            <a:extLst>
+              <a:ext uri="{FF2B5EF4-FFF2-40B4-BE49-F238E27FC236}">
+                <a16:creationId xmlns:a16="http://schemas.microsoft.com/office/drawing/2014/main" id="{846E6BF9-8579-180E-C033-046D3CBB776B}"/>
+              </a:ext>
+            </a:extLst>
+          </p:cNvPr>
+          <p:cNvPicPr>
+            <a:picLocks noChangeAspect="1"/>
+          </p:cNvPicPr>
+          <p:nvPr userDrawn="1"/>
+        </p:nvPicPr>
+        <p:blipFill>
+          <a:blip r:embed="rId3"/>
+          <a:stretch>
+            <a:fillRect/>
+          </a:stretch>
+        </p:blipFill>
+        <p:spPr>
+          <a:xfrm>
+            <a:off x="10525895" y="266724"/>
+            <a:ext cx="1079365" cy="380952"/>
+          </a:xfrm>
+          <a:prstGeom prst="rect">
+            <a:avLst/>
+          </a:prstGeom>
+        </p:spPr>
+      </p:pic>
     </p:spTree>
     <p:extLst>
       <p:ext uri="{BB962C8B-B14F-4D97-AF65-F5344CB8AC3E}">
@@ -7573,7 +7573,7 @@
   <p:clrMapOvr>
     <a:masterClrMapping/>
   </p:clrMapOvr>
-  <p:extLst mod="1">
+  <p:extLst>
     <p:ext uri="{DCECCB84-F9BA-43D5-87BE-67443E8EF086}">
       <p15:sldGuideLst xmlns:p15="http://schemas.microsoft.com/office/powerpoint/2012/main">
         <p15:guide id="1" pos="3840">
@@ -7925,10 +7925,10 @@
       </p:sp>
       <p:pic>
         <p:nvPicPr>
-          <p:cNvPr id="10" name="Picture 9">
+          <p:cNvPr id="2" name="Picture 1">
             <a:extLst>
               <a:ext uri="{FF2B5EF4-FFF2-40B4-BE49-F238E27FC236}">
-                <a16:creationId xmlns:a16="http://schemas.microsoft.com/office/drawing/2014/main" id="{450326B6-B54D-4580-BAF3-3DD6FAFD9DD1}"/>
+                <a16:creationId xmlns:a16="http://schemas.microsoft.com/office/drawing/2014/main" id="{20DBCBEF-09EA-B454-95A9-CC2AF76FDE45}"/>
               </a:ext>
             </a:extLst>
           </p:cNvPr>
@@ -7945,8 +7945,8 @@
         </p:blipFill>
         <p:spPr>
           <a:xfrm>
-            <a:off x="9502140" y="329276"/>
-            <a:ext cx="2103120" cy="412212"/>
+            <a:off x="10525895" y="266724"/>
+            <a:ext cx="1079365" cy="380952"/>
           </a:xfrm>
           <a:prstGeom prst="rect">
             <a:avLst/>
@@ -7963,7 +7963,7 @@
   <p:clrMapOvr>
     <a:masterClrMapping/>
   </p:clrMapOvr>
-  <p:extLst mod="1">
+  <p:extLst>
     <p:ext uri="{DCECCB84-F9BA-43D5-87BE-67443E8EF086}">
       <p15:sldGuideLst xmlns:p15="http://schemas.microsoft.com/office/powerpoint/2012/main">
         <p15:guide id="1" pos="3840">
@@ -8381,12 +8381,53 @@
           </a:p>
         </p:txBody>
       </p:sp>
+      <p:sp>
+        <p:nvSpPr>
+          <p:cNvPr id="16" name="TextBox 15">
+            <a:extLst>
+              <a:ext uri="{FF2B5EF4-FFF2-40B4-BE49-F238E27FC236}">
+                <a16:creationId xmlns:a16="http://schemas.microsoft.com/office/drawing/2014/main" id="{186111D9-B349-4B82-9966-46C3F0A6F8C6}"/>
+              </a:ext>
+            </a:extLst>
+          </p:cNvPr>
+          <p:cNvSpPr txBox="1"/>
+          <p:nvPr userDrawn="1"/>
+        </p:nvSpPr>
+        <p:spPr>
+          <a:xfrm>
+            <a:off x="7414260" y="6540764"/>
+            <a:ext cx="4191000" cy="293476"/>
+          </a:xfrm>
+          <a:prstGeom prst="rect">
+            <a:avLst/>
+          </a:prstGeom>
+        </p:spPr>
+        <p:txBody>
+          <a:bodyPr vert="horz" wrap="square" lIns="91440" tIns="45720" rIns="91440" bIns="45720" rtlCol="0" anchor="ctr">
+            <a:noAutofit/>
+          </a:bodyPr>
+          <a:lstStyle/>
+          <a:p>
+            <a:pPr algn="r"/>
+            <a:r>
+              <a:rPr lang="en-US" sz="1200" cap="all" baseline="0" dirty="0">
+                <a:solidFill>
+                  <a:schemeClr val="bg1"/>
+                </a:solidFill>
+                <a:latin typeface="Gotham Book" pitchFamily="50" charset="0"/>
+                <a:cs typeface="Gotham Book" pitchFamily="50" charset="0"/>
+              </a:rPr>
+              <a:t>Software Intelligence for Digital Leaders</a:t>
+            </a:r>
+          </a:p>
+        </p:txBody>
+      </p:sp>
       <p:pic>
         <p:nvPicPr>
-          <p:cNvPr id="15" name="Picture 14">
+          <p:cNvPr id="3" name="Picture 2">
             <a:extLst>
               <a:ext uri="{FF2B5EF4-FFF2-40B4-BE49-F238E27FC236}">
-                <a16:creationId xmlns:a16="http://schemas.microsoft.com/office/drawing/2014/main" id="{45414AED-E0A8-4CAB-9260-32F42470DE3E}"/>
+                <a16:creationId xmlns:a16="http://schemas.microsoft.com/office/drawing/2014/main" id="{4FAC0719-0CF0-5BD6-4B23-8135F4A59755}"/>
               </a:ext>
             </a:extLst>
           </p:cNvPr>
@@ -8403,55 +8444,14 @@
         </p:blipFill>
         <p:spPr>
           <a:xfrm>
-            <a:off x="9502140" y="332861"/>
-            <a:ext cx="2103120" cy="248679"/>
+            <a:off x="10525895" y="266724"/>
+            <a:ext cx="1079365" cy="380952"/>
           </a:xfrm>
           <a:prstGeom prst="rect">
             <a:avLst/>
           </a:prstGeom>
         </p:spPr>
       </p:pic>
-      <p:sp>
-        <p:nvSpPr>
-          <p:cNvPr id="16" name="TextBox 15">
-            <a:extLst>
-              <a:ext uri="{FF2B5EF4-FFF2-40B4-BE49-F238E27FC236}">
-                <a16:creationId xmlns:a16="http://schemas.microsoft.com/office/drawing/2014/main" id="{186111D9-B349-4B82-9966-46C3F0A6F8C6}"/>
-              </a:ext>
-            </a:extLst>
-          </p:cNvPr>
-          <p:cNvSpPr txBox="1"/>
-          <p:nvPr userDrawn="1"/>
-        </p:nvSpPr>
-        <p:spPr>
-          <a:xfrm>
-            <a:off x="7414260" y="6540764"/>
-            <a:ext cx="4191000" cy="293476"/>
-          </a:xfrm>
-          <a:prstGeom prst="rect">
-            <a:avLst/>
-          </a:prstGeom>
-        </p:spPr>
-        <p:txBody>
-          <a:bodyPr vert="horz" wrap="square" lIns="91440" tIns="45720" rIns="91440" bIns="45720" rtlCol="0" anchor="ctr">
-            <a:noAutofit/>
-          </a:bodyPr>
-          <a:lstStyle/>
-          <a:p>
-            <a:pPr algn="r"/>
-            <a:r>
-              <a:rPr lang="en-US" sz="1200" cap="all" baseline="0" dirty="0">
-                <a:solidFill>
-                  <a:schemeClr val="bg1"/>
-                </a:solidFill>
-                <a:latin typeface="Gotham Book" pitchFamily="50" charset="0"/>
-                <a:cs typeface="Gotham Book" pitchFamily="50" charset="0"/>
-              </a:rPr>
-              <a:t>Software Intelligence for Digital Leaders</a:t>
-            </a:r>
-          </a:p>
-        </p:txBody>
-      </p:sp>
     </p:spTree>
     <p:extLst>
       <p:ext uri="{BB962C8B-B14F-4D97-AF65-F5344CB8AC3E}">
@@ -8462,7 +8462,7 @@
   <p:clrMapOvr>
     <a:masterClrMapping/>
   </p:clrMapOvr>
-  <p:extLst mod="1">
+  <p:extLst>
     <p:ext uri="{DCECCB84-F9BA-43D5-87BE-67443E8EF086}">
       <p15:sldGuideLst xmlns:p15="http://schemas.microsoft.com/office/powerpoint/2012/main">
         <p15:guide id="2" pos="384">
@@ -8796,12 +8796,53 @@
           </a:p>
         </p:txBody>
       </p:sp>
+      <p:sp>
+        <p:nvSpPr>
+          <p:cNvPr id="16" name="TextBox 15">
+            <a:extLst>
+              <a:ext uri="{FF2B5EF4-FFF2-40B4-BE49-F238E27FC236}">
+                <a16:creationId xmlns:a16="http://schemas.microsoft.com/office/drawing/2014/main" id="{186111D9-B349-4B82-9966-46C3F0A6F8C6}"/>
+              </a:ext>
+            </a:extLst>
+          </p:cNvPr>
+          <p:cNvSpPr txBox="1"/>
+          <p:nvPr userDrawn="1"/>
+        </p:nvSpPr>
+        <p:spPr>
+          <a:xfrm>
+            <a:off x="7414260" y="6540764"/>
+            <a:ext cx="4191000" cy="293476"/>
+          </a:xfrm>
+          <a:prstGeom prst="rect">
+            <a:avLst/>
+          </a:prstGeom>
+        </p:spPr>
+        <p:txBody>
+          <a:bodyPr vert="horz" wrap="square" lIns="91440" tIns="45720" rIns="91440" bIns="45720" rtlCol="0" anchor="ctr">
+            <a:noAutofit/>
+          </a:bodyPr>
+          <a:lstStyle/>
+          <a:p>
+            <a:pPr algn="r"/>
+            <a:r>
+              <a:rPr lang="en-US" sz="1200" cap="all" baseline="0" dirty="0">
+                <a:solidFill>
+                  <a:schemeClr val="bg1"/>
+                </a:solidFill>
+                <a:latin typeface="Gotham Book" pitchFamily="50" charset="0"/>
+                <a:cs typeface="Gotham Book" pitchFamily="50" charset="0"/>
+              </a:rPr>
+              <a:t>Software Intelligence for Digital Leaders</a:t>
+            </a:r>
+          </a:p>
+        </p:txBody>
+      </p:sp>
       <p:pic>
         <p:nvPicPr>
-          <p:cNvPr id="15" name="Picture 14">
+          <p:cNvPr id="3" name="Picture 2">
             <a:extLst>
               <a:ext uri="{FF2B5EF4-FFF2-40B4-BE49-F238E27FC236}">
-                <a16:creationId xmlns:a16="http://schemas.microsoft.com/office/drawing/2014/main" id="{45414AED-E0A8-4CAB-9260-32F42470DE3E}"/>
+                <a16:creationId xmlns:a16="http://schemas.microsoft.com/office/drawing/2014/main" id="{A3560D06-ED8B-9AD3-8362-FFAE8FEA427E}"/>
               </a:ext>
             </a:extLst>
           </p:cNvPr>
@@ -8818,55 +8859,14 @@
         </p:blipFill>
         <p:spPr>
           <a:xfrm>
-            <a:off x="9502140" y="332861"/>
-            <a:ext cx="2103120" cy="248679"/>
+            <a:off x="10525895" y="266724"/>
+            <a:ext cx="1079365" cy="380952"/>
           </a:xfrm>
           <a:prstGeom prst="rect">
             <a:avLst/>
           </a:prstGeom>
         </p:spPr>
       </p:pic>
-      <p:sp>
-        <p:nvSpPr>
-          <p:cNvPr id="16" name="TextBox 15">
-            <a:extLst>
-              <a:ext uri="{FF2B5EF4-FFF2-40B4-BE49-F238E27FC236}">
-                <a16:creationId xmlns:a16="http://schemas.microsoft.com/office/drawing/2014/main" id="{186111D9-B349-4B82-9966-46C3F0A6F8C6}"/>
-              </a:ext>
-            </a:extLst>
-          </p:cNvPr>
-          <p:cNvSpPr txBox="1"/>
-          <p:nvPr userDrawn="1"/>
-        </p:nvSpPr>
-        <p:spPr>
-          <a:xfrm>
-            <a:off x="7414260" y="6540764"/>
-            <a:ext cx="4191000" cy="293476"/>
-          </a:xfrm>
-          <a:prstGeom prst="rect">
-            <a:avLst/>
-          </a:prstGeom>
-        </p:spPr>
-        <p:txBody>
-          <a:bodyPr vert="horz" wrap="square" lIns="91440" tIns="45720" rIns="91440" bIns="45720" rtlCol="0" anchor="ctr">
-            <a:noAutofit/>
-          </a:bodyPr>
-          <a:lstStyle/>
-          <a:p>
-            <a:pPr algn="r"/>
-            <a:r>
-              <a:rPr lang="en-US" sz="1200" cap="all" baseline="0" dirty="0">
-                <a:solidFill>
-                  <a:schemeClr val="bg1"/>
-                </a:solidFill>
-                <a:latin typeface="Gotham Book" pitchFamily="50" charset="0"/>
-                <a:cs typeface="Gotham Book" pitchFamily="50" charset="0"/>
-              </a:rPr>
-              <a:t>Software Intelligence for Digital Leaders</a:t>
-            </a:r>
-          </a:p>
-        </p:txBody>
-      </p:sp>
     </p:spTree>
     <p:extLst>
       <p:ext uri="{BB962C8B-B14F-4D97-AF65-F5344CB8AC3E}">
@@ -8877,7 +8877,7 @@
   <p:clrMapOvr>
     <a:masterClrMapping/>
   </p:clrMapOvr>
-  <p:extLst mod="1">
+  <p:extLst>
     <p:ext uri="{DCECCB84-F9BA-43D5-87BE-67443E8EF086}">
       <p15:sldGuideLst xmlns:p15="http://schemas.microsoft.com/office/powerpoint/2012/main">
         <p15:guide id="2" pos="384">
@@ -9004,12 +9004,130 @@
           </a:p>
         </p:txBody>
       </p:sp>
+      <p:sp>
+        <p:nvSpPr>
+          <p:cNvPr id="10" name="TextBox 9"/>
+          <p:cNvSpPr txBox="1"/>
+          <p:nvPr userDrawn="1"/>
+        </p:nvSpPr>
+        <p:spPr>
+          <a:xfrm>
+            <a:off x="947692" y="6504941"/>
+            <a:ext cx="1351652" cy="365124"/>
+          </a:xfrm>
+          <a:prstGeom prst="rect">
+            <a:avLst/>
+          </a:prstGeom>
+          <a:noFill/>
+        </p:spPr>
+        <p:txBody>
+          <a:bodyPr wrap="none" rtlCol="0" anchor="ctr">
+            <a:noAutofit/>
+          </a:bodyPr>
+          <a:lstStyle/>
+          <a:p>
+            <a:r>
+              <a:rPr lang="en-US" sz="1000" b="0" i="0" dirty="0">
+                <a:solidFill>
+                  <a:srgbClr val="293C47"/>
+                </a:solidFill>
+                <a:latin typeface="Gotham Book" pitchFamily="50" charset="0"/>
+                <a:ea typeface="Arial" charset="0"/>
+                <a:cs typeface="Gotham Book" pitchFamily="50" charset="0"/>
+              </a:rPr>
+              <a:t>CAST Confidential</a:t>
+            </a:r>
+          </a:p>
+        </p:txBody>
+      </p:sp>
+      <p:sp>
+        <p:nvSpPr>
+          <p:cNvPr id="13" name="Slide Number Placeholder 3"/>
+          <p:cNvSpPr>
+            <a:spLocks noGrp="1"/>
+          </p:cNvSpPr>
+          <p:nvPr>
+            <p:ph type="sldNum" sz="quarter" idx="12"/>
+          </p:nvPr>
+        </p:nvSpPr>
+        <p:spPr>
+          <a:xfrm>
+            <a:off x="86632" y="6504940"/>
+            <a:ext cx="662940" cy="365125"/>
+          </a:xfrm>
+        </p:spPr>
+        <p:txBody>
+          <a:bodyPr/>
+          <a:lstStyle>
+            <a:lvl1pPr algn="ctr">
+              <a:defRPr sz="1050">
+                <a:solidFill>
+                  <a:srgbClr val="293C47"/>
+                </a:solidFill>
+                <a:latin typeface="Gotham Book" pitchFamily="50" charset="0"/>
+                <a:cs typeface="Gotham Book" pitchFamily="50" charset="0"/>
+              </a:defRPr>
+            </a:lvl1pPr>
+          </a:lstStyle>
+          <a:p>
+            <a:fld id="{EEFED013-66E8-448A-B953-99801F824AF7}" type="slidenum">
+              <a:rPr lang="en-US" smtClean="0"/>
+              <a:pPr/>
+              <a:t>‹#›</a:t>
+            </a:fld>
+            <a:endParaRPr lang="en-US" dirty="0"/>
+          </a:p>
+        </p:txBody>
+      </p:sp>
+      <p:sp>
+        <p:nvSpPr>
+          <p:cNvPr id="17" name="Title 1">
+            <a:extLst>
+              <a:ext uri="{FF2B5EF4-FFF2-40B4-BE49-F238E27FC236}">
+                <a16:creationId xmlns:a16="http://schemas.microsoft.com/office/drawing/2014/main" id="{ACE36E0C-3F4B-43B9-91DF-E842AE071AE8}"/>
+              </a:ext>
+            </a:extLst>
+          </p:cNvPr>
+          <p:cNvSpPr>
+            <a:spLocks noGrp="1"/>
+          </p:cNvSpPr>
+          <p:nvPr>
+            <p:ph type="title"/>
+          </p:nvPr>
+        </p:nvSpPr>
+        <p:spPr>
+          <a:xfrm>
+            <a:off x="548024" y="39693"/>
+            <a:ext cx="8756784" cy="874707"/>
+          </a:xfrm>
+        </p:spPr>
+        <p:txBody>
+          <a:bodyPr anchor="ctr" anchorCtr="0"/>
+          <a:lstStyle>
+            <a:lvl1pPr>
+              <a:defRPr sz="2400" b="0">
+                <a:solidFill>
+                  <a:srgbClr val="293C47"/>
+                </a:solidFill>
+                <a:latin typeface="Gotham Book" pitchFamily="50" charset="0"/>
+                <a:cs typeface="Gotham Book" pitchFamily="50" charset="0"/>
+              </a:defRPr>
+            </a:lvl1pPr>
+          </a:lstStyle>
+          <a:p>
+            <a:r>
+              <a:rPr lang="en-US" dirty="0"/>
+              <a:t>Click to edit Master title style</a:t>
+            </a:r>
+          </a:p>
+        </p:txBody>
+      </p:sp>
       <p:pic>
         <p:nvPicPr>
-          <p:cNvPr id="4" name="Picture 3">
+          <p:cNvPr id="3" name="Picture 2">
             <a:extLst>
               <a:ext uri="{FF2B5EF4-FFF2-40B4-BE49-F238E27FC236}">
-                <a16:creationId xmlns:a16="http://schemas.microsoft.com/office/drawing/2014/main" id="{E39C0825-2C66-4FEE-BEC5-84D120E66776}"/>
+                <a16:creationId xmlns:a16="http://schemas.microsoft.com/office/drawing/2014/main" id="{B0CF8D8D-B832-7715-89C1-F0409C084885}"/>
               </a:ext>
             </a:extLst>
           </p:cNvPr>
@@ -9026,132 +9144,14 @@
         </p:blipFill>
         <p:spPr>
           <a:xfrm>
-            <a:off x="9500235" y="332861"/>
-            <a:ext cx="2103120" cy="252375"/>
+            <a:off x="10564611" y="286570"/>
+            <a:ext cx="1079365" cy="380952"/>
           </a:xfrm>
           <a:prstGeom prst="rect">
             <a:avLst/>
           </a:prstGeom>
         </p:spPr>
       </p:pic>
-      <p:sp>
-        <p:nvSpPr>
-          <p:cNvPr id="10" name="TextBox 9"/>
-          <p:cNvSpPr txBox="1"/>
-          <p:nvPr userDrawn="1"/>
-        </p:nvSpPr>
-        <p:spPr>
-          <a:xfrm>
-            <a:off x="947692" y="6504941"/>
-            <a:ext cx="1351652" cy="365124"/>
-          </a:xfrm>
-          <a:prstGeom prst="rect">
-            <a:avLst/>
-          </a:prstGeom>
-          <a:noFill/>
-        </p:spPr>
-        <p:txBody>
-          <a:bodyPr wrap="none" rtlCol="0" anchor="ctr">
-            <a:noAutofit/>
-          </a:bodyPr>
-          <a:lstStyle/>
-          <a:p>
-            <a:r>
-              <a:rPr lang="en-US" sz="1000" b="0" i="0" dirty="0">
-                <a:solidFill>
-                  <a:srgbClr val="293C47"/>
-                </a:solidFill>
-                <a:latin typeface="Gotham Book" pitchFamily="50" charset="0"/>
-                <a:ea typeface="Arial" charset="0"/>
-                <a:cs typeface="Gotham Book" pitchFamily="50" charset="0"/>
-              </a:rPr>
-              <a:t>CAST Confidential</a:t>
-            </a:r>
-          </a:p>
-        </p:txBody>
-      </p:sp>
-      <p:sp>
-        <p:nvSpPr>
-          <p:cNvPr id="13" name="Slide Number Placeholder 3"/>
-          <p:cNvSpPr>
-            <a:spLocks noGrp="1"/>
-          </p:cNvSpPr>
-          <p:nvPr>
-            <p:ph type="sldNum" sz="quarter" idx="12"/>
-          </p:nvPr>
-        </p:nvSpPr>
-        <p:spPr>
-          <a:xfrm>
-            <a:off x="86632" y="6504940"/>
-            <a:ext cx="662940" cy="365125"/>
-          </a:xfrm>
-        </p:spPr>
-        <p:txBody>
-          <a:bodyPr/>
-          <a:lstStyle>
-            <a:lvl1pPr algn="ctr">
-              <a:defRPr sz="1050">
-                <a:solidFill>
-                  <a:srgbClr val="293C47"/>
-                </a:solidFill>
-                <a:latin typeface="Gotham Book" pitchFamily="50" charset="0"/>
-                <a:cs typeface="Gotham Book" pitchFamily="50" charset="0"/>
-              </a:defRPr>
-            </a:lvl1pPr>
-          </a:lstStyle>
-          <a:p>
-            <a:fld id="{EEFED013-66E8-448A-B953-99801F824AF7}" type="slidenum">
-              <a:rPr lang="en-US" smtClean="0"/>
-              <a:pPr/>
-              <a:t>‹#›</a:t>
-            </a:fld>
-            <a:endParaRPr lang="en-US" dirty="0"/>
-          </a:p>
-        </p:txBody>
-      </p:sp>
-      <p:sp>
-        <p:nvSpPr>
-          <p:cNvPr id="17" name="Title 1">
-            <a:extLst>
-              <a:ext uri="{FF2B5EF4-FFF2-40B4-BE49-F238E27FC236}">
-                <a16:creationId xmlns:a16="http://schemas.microsoft.com/office/drawing/2014/main" id="{ACE36E0C-3F4B-43B9-91DF-E842AE071AE8}"/>
-              </a:ext>
-            </a:extLst>
-          </p:cNvPr>
-          <p:cNvSpPr>
-            <a:spLocks noGrp="1"/>
-          </p:cNvSpPr>
-          <p:nvPr>
-            <p:ph type="title"/>
-          </p:nvPr>
-        </p:nvSpPr>
-        <p:spPr>
-          <a:xfrm>
-            <a:off x="548024" y="39693"/>
-            <a:ext cx="8756784" cy="874707"/>
-          </a:xfrm>
-        </p:spPr>
-        <p:txBody>
-          <a:bodyPr anchor="ctr" anchorCtr="0"/>
-          <a:lstStyle>
-            <a:lvl1pPr>
-              <a:defRPr sz="2400" b="0">
-                <a:solidFill>
-                  <a:srgbClr val="293C47"/>
-                </a:solidFill>
-                <a:latin typeface="Gotham Book" pitchFamily="50" charset="0"/>
-                <a:cs typeface="Gotham Book" pitchFamily="50" charset="0"/>
-              </a:defRPr>
-            </a:lvl1pPr>
-          </a:lstStyle>
-          <a:p>
-            <a:r>
-              <a:rPr lang="en-US" dirty="0"/>
-              <a:t>Click to edit Master title style</a:t>
-            </a:r>
-          </a:p>
-        </p:txBody>
-      </p:sp>
     </p:spTree>
     <p:extLst>
       <p:ext uri="{BB962C8B-B14F-4D97-AF65-F5344CB8AC3E}">
@@ -9162,7 +9162,7 @@
   <p:clrMapOvr>
     <a:masterClrMapping/>
   </p:clrMapOvr>
-  <p:extLst mod="1">
+  <p:extLst>
     <p:ext uri="{DCECCB84-F9BA-43D5-87BE-67443E8EF086}">
       <p15:sldGuideLst xmlns:p15="http://schemas.microsoft.com/office/powerpoint/2012/main">
         <p15:guide id="2" pos="384">
@@ -9761,7 +9761,7 @@
       </a:lvl9pPr>
     </p:otherStyle>
   </p:txStyles>
-  <p:extLst mod="1">
+  <p:extLst>
     <p:ext uri="{27BBF7A9-308A-43DC-89C8-2F10F3537804}">
       <p15:sldGuideLst xmlns:p15="http://schemas.microsoft.com/office/powerpoint/2012/main">
         <p15:guide id="1" pos="3840">
